--- a/性能优化/启动耗时.pptx
+++ b/性能优化/启动耗时.pptx
@@ -2877,7 +2877,7 @@
             </a:r>
             <a:r>
               <a:rPr lang="zh-CN" altLang="en-US"/>
-              <a:t>、扩充布局。</a:t>
+              <a:t>、填充布局。</a:t>
             </a:r>
             <a:endParaRPr lang="zh-CN" altLang="en-US"/>
           </a:p>
@@ -3163,8 +3163,8 @@
         </p:nvSpPr>
         <p:spPr>
           <a:xfrm>
-            <a:off x="521335" y="1089025"/>
-            <a:ext cx="2232025" cy="581660"/>
+            <a:off x="231140" y="1089025"/>
+            <a:ext cx="2522220" cy="581660"/>
           </a:xfrm>
           <a:prstGeom prst="rect">
             <a:avLst/>
@@ -3192,7 +3192,15 @@
             <a:pPr algn="ctr"/>
             <a:r>
               <a:rPr lang="zh-CN" altLang="en-US"/>
-              <a:t>ActivityStarter#startActivityMayWait()</a:t>
+              <a:t>ActivityStarter#</a:t>
+            </a:r>
+            <a:endParaRPr lang="zh-CN" altLang="en-US"/>
+          </a:p>
+          <a:p>
+            <a:pPr algn="ctr"/>
+            <a:r>
+              <a:rPr lang="zh-CN" altLang="en-US"/>
+              <a:t>startActivityMayWait()</a:t>
             </a:r>
             <a:endParaRPr lang="zh-CN" altLang="en-US"/>
           </a:p>
@@ -3315,7 +3323,15 @@
             </a:r>
             <a:r>
               <a:rPr lang="en-US" altLang="zh-CN"/>
-              <a:t>/ActivityTask</a:t>
+              <a:t>/</a:t>
+            </a:r>
+            <a:endParaRPr lang="en-US" altLang="zh-CN"/>
+          </a:p>
+          <a:p>
+            <a:pPr algn="ctr"/>
+            <a:r>
+              <a:rPr lang="en-US" altLang="zh-CN"/>
+              <a:t>ActivityTask</a:t>
             </a:r>
             <a:endParaRPr lang="en-US" altLang="zh-CN"/>
           </a:p>
@@ -3378,7 +3394,19 @@
               <a:rPr lang="en-US" altLang="zh-CN">
                 <a:sym typeface="+mn-ea"/>
               </a:rPr>
-              <a:t>/ActivityTask</a:t>
+              <a:t>/</a:t>
+            </a:r>
+            <a:endParaRPr lang="en-US" altLang="zh-CN">
+              <a:sym typeface="+mn-ea"/>
+            </a:endParaRPr>
+          </a:p>
+          <a:p>
+            <a:pPr algn="ctr"/>
+            <a:r>
+              <a:rPr lang="en-US" altLang="zh-CN">
+                <a:sym typeface="+mn-ea"/>
+              </a:rPr>
+              <a:t>ActivityTask</a:t>
             </a:r>
             <a:endParaRPr lang="zh-CN" altLang="en-US"/>
           </a:p>
@@ -3999,8 +4027,8 @@
         </p:nvCxnSpPr>
         <p:spPr>
           <a:xfrm flipH="1" flipV="1">
-            <a:off x="1637665" y="1670685"/>
-            <a:ext cx="4845685" cy="1666875"/>
+            <a:off x="1492250" y="1670685"/>
+            <a:ext cx="4991100" cy="1666875"/>
           </a:xfrm>
           <a:prstGeom prst="straightConnector1">
             <a:avLst/>
@@ -4035,8 +4063,8 @@
         </p:nvCxnSpPr>
         <p:spPr>
           <a:xfrm flipH="1" flipV="1">
-            <a:off x="1637665" y="1670685"/>
-            <a:ext cx="4845685" cy="2875915"/>
+            <a:off x="1492250" y="1670685"/>
+            <a:ext cx="4991100" cy="2875915"/>
           </a:xfrm>
           <a:prstGeom prst="straightConnector1">
             <a:avLst/>
@@ -6301,8 +6329,8 @@
         </p:blipFill>
         <p:spPr>
           <a:xfrm>
-            <a:off x="2972435" y="91440"/>
-            <a:ext cx="6845935" cy="6816090"/>
+            <a:off x="3856355" y="238760"/>
+            <a:ext cx="6408420" cy="6381115"/>
           </a:xfrm>
           <a:prstGeom prst="rect">
             <a:avLst/>
@@ -8825,8 +8853,8 @@
         </p:nvSpPr>
         <p:spPr>
           <a:xfrm>
-            <a:off x="5668010" y="405130"/>
-            <a:ext cx="2464435" cy="591820"/>
+            <a:off x="5505450" y="427990"/>
+            <a:ext cx="2790190" cy="591820"/>
           </a:xfrm>
           <a:prstGeom prst="rect">
             <a:avLst/>
@@ -8940,7 +8968,15 @@
             <a:pPr algn="ctr"/>
             <a:r>
               <a:rPr lang="zh-CN" altLang="en-US"/>
-              <a:t>SurfaceFlinger#signalLayerUpdate()</a:t>
+              <a:t>SurfaceFlinger#</a:t>
+            </a:r>
+            <a:endParaRPr lang="zh-CN" altLang="en-US"/>
+          </a:p>
+          <a:p>
+            <a:pPr algn="ctr"/>
+            <a:r>
+              <a:rPr lang="zh-CN" altLang="en-US"/>
+              <a:t>signalLayerUpdate()</a:t>
             </a:r>
             <a:endParaRPr lang="zh-CN" altLang="en-US"/>
           </a:p>
@@ -9026,7 +9062,15 @@
             <a:pPr algn="ctr"/>
             <a:r>
               <a:rPr lang="zh-CN" altLang="en-US"/>
-              <a:t>MessageQueue#eventReceiver()</a:t>
+              <a:t>MessageQueue#</a:t>
+            </a:r>
+            <a:endParaRPr lang="zh-CN" altLang="en-US"/>
+          </a:p>
+          <a:p>
+            <a:pPr algn="ctr"/>
+            <a:r>
+              <a:rPr lang="zh-CN" altLang="en-US"/>
+              <a:t>eventReceiver()</a:t>
             </a:r>
             <a:endParaRPr lang="zh-CN" altLang="en-US"/>
           </a:p>
@@ -9360,7 +9404,7 @@
         <p:spPr>
           <a:xfrm>
             <a:off x="126365" y="287020"/>
-            <a:ext cx="12823825" cy="5077460"/>
+            <a:ext cx="11769090" cy="5908040"/>
           </a:xfrm>
           <a:prstGeom prst="rect">
             <a:avLst/>
@@ -9402,27 +9446,37 @@
             <a:pPr algn="l"/>
             <a:r>
               <a:rPr lang="zh-CN" altLang="en-US"/>
-              <a:t>TotalTime 和 WaitTime 的区别：TotalTime 是从发起 ActivityStarter#startActivity() 到 第一帧绘制完毕（完成 queueBuffer）。</a:t>
+              <a:t>TotalTime 和 WaitTime 的区别：</a:t>
             </a:r>
             <a:endParaRPr lang="zh-CN" altLang="en-US"/>
           </a:p>
           <a:p>
             <a:pPr algn="l"/>
-            <a:r>
-              <a:rPr lang="zh-CN" altLang="en-US"/>
-              <a:t>而 WaitTime 则是从调用 AMS#startActivityMayWait 直到这个函数返回，WaitTime 一般都会比 TotalTime 多一点。</a:t>
-            </a:r>
             <a:endParaRPr lang="zh-CN" altLang="en-US"/>
           </a:p>
           <a:p>
             <a:pPr algn="l"/>
+            <a:r>
+              <a:rPr lang="zh-CN" altLang="en-US"/>
+              <a:t>TotalTime ：从发起 ActivityStarter#startActivity() 到 第一帧绘制完毕（完成 queueBuffer）。</a:t>
+            </a:r>
             <a:endParaRPr lang="zh-CN" altLang="en-US"/>
           </a:p>
           <a:p>
             <a:pPr algn="l"/>
             <a:r>
               <a:rPr lang="zh-CN" altLang="en-US"/>
-              <a:t>am start -W -S：加了这个参数会在调用 startActivityMayWait 之前调用 AMS#forceStopPackage 强制终止进程。</a:t>
+              <a:t>WaitTime ：从调用 AMS#startActivityMayWait</a:t>
+            </a:r>
+            <a:r>
+              <a:rPr lang="zh-CN" altLang="en-US">
+                <a:sym typeface="+mn-ea"/>
+              </a:rPr>
+              <a:t>() </a:t>
+            </a:r>
+            <a:r>
+              <a:rPr lang="zh-CN" altLang="en-US"/>
+              <a:t>直到这个函数返回，WaitTime 一般都会比 TotalTime 多一点。</a:t>
             </a:r>
             <a:endParaRPr lang="zh-CN" altLang="en-US"/>
           </a:p>
@@ -9434,6 +9488,28 @@
             <a:pPr algn="l"/>
             <a:r>
               <a:rPr lang="zh-CN" altLang="en-US"/>
+              <a:t>am start -W -S：加了这个参数会在调用 startActivityMayWait</a:t>
+            </a:r>
+            <a:r>
+              <a:rPr lang="zh-CN" altLang="en-US">
+                <a:sym typeface="+mn-ea"/>
+              </a:rPr>
+              <a:t>()</a:t>
+            </a:r>
+            <a:r>
+              <a:rPr lang="zh-CN" altLang="en-US"/>
+              <a:t> 之前调用 AMS#forceStopPackage 强制终止进程。</a:t>
+            </a:r>
+            <a:endParaRPr lang="zh-CN" altLang="en-US"/>
+          </a:p>
+          <a:p>
+            <a:pPr algn="l"/>
+            <a:endParaRPr lang="zh-CN" altLang="en-US"/>
+          </a:p>
+          <a:p>
+            <a:pPr algn="l"/>
+            <a:r>
+              <a:rPr lang="zh-CN" altLang="en-US"/>
               <a:t>logcat: “Displayed” &amp; am start -W xx：从 ActivityStarter#startActivityMayWait() 到 第一帧 queueBuffer 结束。</a:t>
             </a:r>
             <a:endParaRPr lang="zh-CN" altLang="en-US"/>
@@ -9454,7 +9530,7 @@
             <a:pPr algn="l"/>
             <a:r>
               <a:rPr lang="zh-CN" altLang="en-US"/>
-              <a:t>Trace: “launching: xx”：从 ActivityStarter#startActivityMayWait() 中的 startActivity() 结束 到 第一帧 queueBuffer 结束。</a:t>
+              <a:t>Trace: “launching: xx”：</a:t>
             </a:r>
             <a:endParaRPr lang="zh-CN" altLang="en-US"/>
           </a:p>
@@ -9462,6 +9538,14 @@
             <a:pPr algn="l"/>
             <a:r>
               <a:rPr lang="zh-CN" altLang="en-US"/>
+              <a:t>从 ActivityStarter#startActivityMayWait() 中的 startActivity() 结束 到 第一帧 queueBuffer 结束。</a:t>
+            </a:r>
+            <a:endParaRPr lang="zh-CN" altLang="en-US"/>
+          </a:p>
+          <a:p>
+            <a:pPr algn="l"/>
+            <a:r>
+              <a:rPr lang="zh-CN" altLang="en-US"/>
               <a:t>Trace 上面的 launching 总是会比 Displayed &amp; am start -W 少的。开头的例子同一次启动，</a:t>
             </a:r>
             <a:endParaRPr lang="zh-CN" altLang="en-US"/>
@@ -9482,7 +9566,17 @@
             <a:pPr algn="l"/>
             <a:r>
               <a:rPr lang="zh-CN" altLang="en-US"/>
-              <a:t>reportFullyDrawn()：从 ActivityStarter#startActivityMayWait() 到 应用调用 reportFullyDrawn。</a:t>
+              <a:t>reportFullyDrawn()：从 ActivityStarter#startActivityMayWait() 到 应用调用 reportFullyDrawn</a:t>
+            </a:r>
+            <a:r>
+              <a:rPr lang="zh-CN" altLang="en-US">
+                <a:sym typeface="+mn-ea"/>
+              </a:rPr>
+              <a:t>()</a:t>
+            </a:r>
+            <a:r>
+              <a:rPr lang="zh-CN" altLang="en-US"/>
+              <a:t>。</a:t>
             </a:r>
             <a:endParaRPr lang="zh-CN" altLang="en-US"/>
           </a:p>
@@ -9523,7 +9617,7 @@
         <p:spPr>
           <a:xfrm>
             <a:off x="475615" y="394970"/>
-            <a:ext cx="11440795" cy="3969385"/>
+            <a:ext cx="11669395" cy="3969385"/>
           </a:xfrm>
           <a:prstGeom prst="rect">
             <a:avLst/>
@@ -9562,7 +9656,7 @@
             </a:r>
             <a:r>
               <a:rPr lang="zh-CN" altLang="en-US"/>
-              <a:t>、创建 Applicaton 对象并初始化</a:t>
+              <a:t>、创建 Applicaton 对象并初始化；</a:t>
             </a:r>
             <a:r>
               <a:rPr lang="en-US" altLang="zh-CN"/>
